--- a/My Office Add-in/src/taskpane/Chart2.pptx
+++ b/My Office Add-in/src/taskpane/Chart2.pptx
@@ -482,7 +482,7 @@
           <a:p>
             <a:fld id="{F8166F1F-CE9B-4651-A6AA-CD717754106B}" type="datetimeFigureOut">
               <a:rPr lang="en-US" smtClean="0"/>
-              <a:t>11/17/2020</a:t>
+              <a:t>11/18/2020</a:t>
             </a:fld>
             <a:endParaRPr lang="en-US"/>
           </a:p>
@@ -989,7 +989,7 @@
           <a:p>
             <a:fld id="{A76116CE-C4A3-4A05-B2D7-7C2E9A889C0F}" type="datetimeFigureOut">
               <a:rPr lang="en-US" smtClean="0"/>
-              <a:t>11/17/2020</a:t>
+              <a:t>11/18/2020</a:t>
             </a:fld>
             <a:endParaRPr lang="en-US"/>
           </a:p>
@@ -1230,7 +1230,7 @@
           <a:p>
             <a:fld id="{A76116CE-C4A3-4A05-B2D7-7C2E9A889C0F}" type="datetimeFigureOut">
               <a:rPr lang="en-US" smtClean="0"/>
-              <a:t>11/17/2020</a:t>
+              <a:t>11/18/2020</a:t>
             </a:fld>
             <a:endParaRPr lang="en-US"/>
           </a:p>
